--- a/jdocs/Comp/Students/Round2/Alex-Joseph.pptx
+++ b/jdocs/Comp/Students/Round2/Alex-Joseph.pptx
@@ -113,7 +113,7 @@
   </p:defaultTextStyle>
   <p:extLst>
     <p:ext uri="{EFAFB233-063F-42B5-8137-9DF3F51BA10A}">
-      <p15:sldGuideLst xmlns:p15="http://schemas.microsoft.com/office/powerpoint/2012/main"/>
+      <p15:sldGuideLst xmlns:p15="http://schemas.microsoft.com/office/powerpoint/2012/main" xmlns=""/>
     </p:ext>
   </p:extLst>
 </p:presentation>
@@ -173,26 +173,6 @@
         </a:ln>
         <a:effectLst/>
       </c:spPr>
-      <c:txPr>
-        <a:bodyPr rot="0" spcFirstLastPara="1" vertOverflow="ellipsis" vert="horz" wrap="square" anchor="ctr" anchorCtr="1"/>
-        <a:lstStyle/>
-        <a:p>
-          <a:pPr>
-            <a:defRPr sz="1862" b="0" i="0" u="none" strike="noStrike" kern="1200" spc="0" baseline="0">
-              <a:solidFill>
-                <a:schemeClr val="tx1">
-                  <a:lumMod val="65000"/>
-                  <a:lumOff val="35000"/>
-                </a:schemeClr>
-              </a:solidFill>
-              <a:latin typeface="+mn-lt"/>
-              <a:ea typeface="+mn-ea"/>
-              <a:cs typeface="+mn-cs"/>
-            </a:defRPr>
-          </a:pPr>
-          <a:endParaRPr lang="en-US"/>
-        </a:p>
-      </c:txPr>
     </c:title>
     <c:autoTitleDeleted val="0"/>
     <c:plotArea>
@@ -355,11 +335,11 @@
         </c:dLbls>
         <c:gapWidth val="219"/>
         <c:overlap val="-27"/>
-        <c:axId val="384959040"/>
-        <c:axId val="384957080"/>
+        <c:axId val="6738688"/>
+        <c:axId val="6740224"/>
       </c:barChart>
       <c:catAx>
-        <c:axId val="384959040"/>
+        <c:axId val="6738688"/>
         <c:scaling>
           <c:orientation val="minMax"/>
         </c:scaling>
@@ -402,7 +382,7 @@
             <a:endParaRPr lang="en-US"/>
           </a:p>
         </c:txPr>
-        <c:crossAx val="384957080"/>
+        <c:crossAx val="6740224"/>
         <c:crosses val="autoZero"/>
         <c:auto val="1"/>
         <c:lblAlgn val="ctr"/>
@@ -410,7 +390,7 @@
         <c:noMultiLvlLbl val="0"/>
       </c:catAx>
       <c:valAx>
-        <c:axId val="384957080"/>
+        <c:axId val="6740224"/>
         <c:scaling>
           <c:orientation val="minMax"/>
         </c:scaling>
@@ -461,7 +441,7 @@
             <a:endParaRPr lang="en-US"/>
           </a:p>
         </c:txPr>
-        <c:crossAx val="384959040"/>
+        <c:crossAx val="6738688"/>
         <c:crosses val="autoZero"/>
         <c:crossBetween val="between"/>
       </c:valAx>
@@ -526,7 +506,7 @@
       <a:endParaRPr lang="en-US"/>
     </a:p>
   </c:txPr>
-  <c:externalData r:id="rId3">
+  <c:externalData r:id="rId1">
     <c:autoUpdate val="0"/>
   </c:externalData>
 </c:chartSpace>
@@ -586,26 +566,6 @@
         </a:ln>
         <a:effectLst/>
       </c:spPr>
-      <c:txPr>
-        <a:bodyPr rot="0" spcFirstLastPara="1" vertOverflow="ellipsis" vert="horz" wrap="square" anchor="ctr" anchorCtr="1"/>
-        <a:lstStyle/>
-        <a:p>
-          <a:pPr>
-            <a:defRPr sz="1862" b="0" i="0" u="none" strike="noStrike" kern="1200" spc="0" baseline="0">
-              <a:solidFill>
-                <a:schemeClr val="tx1">
-                  <a:lumMod val="65000"/>
-                  <a:lumOff val="35000"/>
-                </a:schemeClr>
-              </a:solidFill>
-              <a:latin typeface="+mn-lt"/>
-              <a:ea typeface="+mn-ea"/>
-              <a:cs typeface="+mn-cs"/>
-            </a:defRPr>
-          </a:pPr>
-          <a:endParaRPr lang="en-US"/>
-        </a:p>
-      </c:txPr>
     </c:title>
     <c:autoTitleDeleted val="0"/>
     <c:plotArea>
@@ -768,11 +728,11 @@
         </c:dLbls>
         <c:gapWidth val="219"/>
         <c:overlap val="-27"/>
-        <c:axId val="388382768"/>
-        <c:axId val="388382376"/>
+        <c:axId val="6860800"/>
+        <c:axId val="6862336"/>
       </c:barChart>
       <c:catAx>
-        <c:axId val="388382768"/>
+        <c:axId val="6860800"/>
         <c:scaling>
           <c:orientation val="minMax"/>
         </c:scaling>
@@ -815,7 +775,7 @@
             <a:endParaRPr lang="en-US"/>
           </a:p>
         </c:txPr>
-        <c:crossAx val="388382376"/>
+        <c:crossAx val="6862336"/>
         <c:crosses val="autoZero"/>
         <c:auto val="1"/>
         <c:lblAlgn val="ctr"/>
@@ -823,7 +783,7 @@
         <c:noMultiLvlLbl val="0"/>
       </c:catAx>
       <c:valAx>
-        <c:axId val="388382376"/>
+        <c:axId val="6862336"/>
         <c:scaling>
           <c:orientation val="minMax"/>
         </c:scaling>
@@ -874,7 +834,7 @@
             <a:endParaRPr lang="en-US"/>
           </a:p>
         </c:txPr>
-        <c:crossAx val="388382768"/>
+        <c:crossAx val="6860800"/>
         <c:crosses val="autoZero"/>
         <c:crossBetween val="between"/>
       </c:valAx>
@@ -939,7 +899,7 @@
       <a:endParaRPr lang="en-US"/>
     </a:p>
   </c:txPr>
-  <c:externalData r:id="rId3">
+  <c:externalData r:id="rId1">
     <c:autoUpdate val="0"/>
   </c:externalData>
 </c:chartSpace>
@@ -2129,7 +2089,7 @@
             <p:nvPr/>
           </p:nvPicPr>
           <p:blipFill rotWithShape="1">
-            <a:blip r:embed="rId2">
+            <a:blip r:embed="rId3">
               <a:extLst>
                 <a:ext uri="{28A0092B-C50C-407E-A947-70E740481C1C}">
                   <a14:useLocalDpi xmlns:a14="http://schemas.microsoft.com/office/drawing/2010/main" val="0"/>
@@ -2158,7 +2118,7 @@
             <p:nvPr/>
           </p:nvPicPr>
           <p:blipFill rotWithShape="1">
-            <a:blip r:embed="rId2">
+            <a:blip r:embed="rId3">
               <a:extLst>
                 <a:ext uri="{28A0092B-C50C-407E-A947-70E740481C1C}">
                   <a14:useLocalDpi xmlns:a14="http://schemas.microsoft.com/office/drawing/2010/main" val="0"/>
@@ -2356,7 +2316,7 @@
           <a:p>
             <a:fld id="{D4E7B8BE-6B9C-4F06-B94A-58B114F1CA48}" type="datetimeFigureOut">
               <a:rPr lang="en-US" smtClean="0"/>
-              <a:t>4/12/2016</a:t>
+              <a:t>4/13/2016</a:t>
             </a:fld>
             <a:endParaRPr lang="en-US" dirty="0"/>
           </a:p>
@@ -2680,7 +2640,7 @@
           <a:p>
             <a:fld id="{D4E7B8BE-6B9C-4F06-B94A-58B114F1CA48}" type="datetimeFigureOut">
               <a:rPr lang="en-US" smtClean="0"/>
-              <a:t>4/12/2016</a:t>
+              <a:t>4/13/2016</a:t>
             </a:fld>
             <a:endParaRPr lang="en-US" dirty="0"/>
           </a:p>
@@ -2928,7 +2888,7 @@
           <a:p>
             <a:fld id="{D4E7B8BE-6B9C-4F06-B94A-58B114F1CA48}" type="datetimeFigureOut">
               <a:rPr lang="en-US" smtClean="0"/>
-              <a:t>4/12/2016</a:t>
+              <a:t>4/13/2016</a:t>
             </a:fld>
             <a:endParaRPr lang="en-US" dirty="0"/>
           </a:p>
@@ -3267,7 +3227,7 @@
           <a:p>
             <a:fld id="{D4E7B8BE-6B9C-4F06-B94A-58B114F1CA48}" type="datetimeFigureOut">
               <a:rPr lang="en-US" smtClean="0"/>
-              <a:t>4/12/2016</a:t>
+              <a:t>4/13/2016</a:t>
             </a:fld>
             <a:endParaRPr lang="en-US" dirty="0"/>
           </a:p>
@@ -3614,7 +3574,7 @@
           <a:p>
             <a:fld id="{D4E7B8BE-6B9C-4F06-B94A-58B114F1CA48}" type="datetimeFigureOut">
               <a:rPr lang="en-US" smtClean="0"/>
-              <a:t>4/12/2016</a:t>
+              <a:t>4/13/2016</a:t>
             </a:fld>
             <a:endParaRPr lang="en-US" dirty="0"/>
           </a:p>
@@ -3988,7 +3948,7 @@
           <a:p>
             <a:fld id="{D4E7B8BE-6B9C-4F06-B94A-58B114F1CA48}" type="datetimeFigureOut">
               <a:rPr lang="en-US" smtClean="0"/>
-              <a:t>4/12/2016</a:t>
+              <a:t>4/13/2016</a:t>
             </a:fld>
             <a:endParaRPr lang="en-US" dirty="0"/>
           </a:p>
@@ -4458,7 +4418,7 @@
           <a:p>
             <a:fld id="{D4E7B8BE-6B9C-4F06-B94A-58B114F1CA48}" type="datetimeFigureOut">
               <a:rPr lang="en-US" smtClean="0"/>
-              <a:t>4/12/2016</a:t>
+              <a:t>4/13/2016</a:t>
             </a:fld>
             <a:endParaRPr lang="en-US" dirty="0"/>
           </a:p>
@@ -4663,7 +4623,7 @@
           <a:p>
             <a:fld id="{D4E7B8BE-6B9C-4F06-B94A-58B114F1CA48}" type="datetimeFigureOut">
               <a:rPr lang="en-US" smtClean="0"/>
-              <a:t>4/12/2016</a:t>
+              <a:t>4/13/2016</a:t>
             </a:fld>
             <a:endParaRPr lang="en-US" dirty="0"/>
           </a:p>
@@ -4874,7 +4834,7 @@
           <a:p>
             <a:fld id="{D4E7B8BE-6B9C-4F06-B94A-58B114F1CA48}" type="datetimeFigureOut">
               <a:rPr lang="en-US" smtClean="0"/>
-              <a:t>4/12/2016</a:t>
+              <a:t>4/13/2016</a:t>
             </a:fld>
             <a:endParaRPr lang="en-US" dirty="0"/>
           </a:p>
@@ -5106,7 +5066,7 @@
           <a:p>
             <a:fld id="{D4E7B8BE-6B9C-4F06-B94A-58B114F1CA48}" type="datetimeFigureOut">
               <a:rPr lang="en-US" smtClean="0"/>
-              <a:t>4/12/2016</a:t>
+              <a:t>4/13/2016</a:t>
             </a:fld>
             <a:endParaRPr lang="en-US" dirty="0"/>
           </a:p>
@@ -5354,7 +5314,7 @@
           <a:p>
             <a:fld id="{D4E7B8BE-6B9C-4F06-B94A-58B114F1CA48}" type="datetimeFigureOut">
               <a:rPr lang="en-US" smtClean="0"/>
-              <a:t>4/12/2016</a:t>
+              <a:t>4/13/2016</a:t>
             </a:fld>
             <a:endParaRPr lang="en-US" dirty="0"/>
           </a:p>
@@ -5652,7 +5612,7 @@
           <a:p>
             <a:fld id="{D4E7B8BE-6B9C-4F06-B94A-58B114F1CA48}" type="datetimeFigureOut">
               <a:rPr lang="en-US" smtClean="0"/>
-              <a:t>4/12/2016</a:t>
+              <a:t>4/13/2016</a:t>
             </a:fld>
             <a:endParaRPr lang="en-US" dirty="0"/>
           </a:p>
@@ -6046,7 +6006,7 @@
           <a:p>
             <a:fld id="{D4E7B8BE-6B9C-4F06-B94A-58B114F1CA48}" type="datetimeFigureOut">
               <a:rPr lang="en-US" smtClean="0"/>
-              <a:t>4/12/2016</a:t>
+              <a:t>4/13/2016</a:t>
             </a:fld>
             <a:endParaRPr lang="en-US" dirty="0"/>
           </a:p>
@@ -6195,7 +6155,7 @@
           <a:p>
             <a:fld id="{D4E7B8BE-6B9C-4F06-B94A-58B114F1CA48}" type="datetimeFigureOut">
               <a:rPr lang="en-US" smtClean="0"/>
-              <a:t>4/12/2016</a:t>
+              <a:t>4/13/2016</a:t>
             </a:fld>
             <a:endParaRPr lang="en-US" dirty="0"/>
           </a:p>
@@ -6321,7 +6281,7 @@
           <a:p>
             <a:fld id="{D4E7B8BE-6B9C-4F06-B94A-58B114F1CA48}" type="datetimeFigureOut">
               <a:rPr lang="en-US" smtClean="0"/>
-              <a:t>4/12/2016</a:t>
+              <a:t>4/13/2016</a:t>
             </a:fld>
             <a:endParaRPr lang="en-US" dirty="0"/>
           </a:p>
@@ -6576,7 +6536,7 @@
           <a:p>
             <a:fld id="{D4E7B8BE-6B9C-4F06-B94A-58B114F1CA48}" type="datetimeFigureOut">
               <a:rPr lang="en-US" smtClean="0"/>
-              <a:t>4/12/2016</a:t>
+              <a:t>4/13/2016</a:t>
             </a:fld>
             <a:endParaRPr lang="en-US" dirty="0"/>
           </a:p>
@@ -6891,7 +6851,7 @@
           <a:p>
             <a:fld id="{D4E7B8BE-6B9C-4F06-B94A-58B114F1CA48}" type="datetimeFigureOut">
               <a:rPr lang="en-US" smtClean="0"/>
-              <a:t>4/12/2016</a:t>
+              <a:t>4/13/2016</a:t>
             </a:fld>
             <a:endParaRPr lang="en-US" dirty="0"/>
           </a:p>
@@ -7061,7 +7021,7 @@
             <p:nvPr/>
           </p:nvPicPr>
           <p:blipFill rotWithShape="1">
-            <a:blip r:embed="rId19">
+            <a:blip r:embed="rId20">
               <a:extLst>
                 <a:ext uri="{28A0092B-C50C-407E-A947-70E740481C1C}">
                   <a14:useLocalDpi xmlns:a14="http://schemas.microsoft.com/office/drawing/2010/main" val="0"/>
@@ -7090,7 +7050,7 @@
             <p:nvPr/>
           </p:nvPicPr>
           <p:blipFill rotWithShape="1">
-            <a:blip r:embed="rId19">
+            <a:blip r:embed="rId20">
               <a:extLst>
                 <a:ext uri="{28A0092B-C50C-407E-A947-70E740481C1C}">
                   <a14:useLocalDpi xmlns:a14="http://schemas.microsoft.com/office/drawing/2010/main" val="0"/>
@@ -7242,7 +7202,7 @@
           <a:p>
             <a:fld id="{D4E7B8BE-6B9C-4F06-B94A-58B114F1CA48}" type="datetimeFigureOut">
               <a:rPr lang="en-US" smtClean="0"/>
-              <a:t>4/12/2016</a:t>
+              <a:t>4/13/2016</a:t>
             </a:fld>
             <a:endParaRPr lang="en-US" dirty="0"/>
           </a:p>
@@ -8816,7 +8776,7 @@
         <a:sysClr val="windowText" lastClr="000000"/>
       </a:dk1>
       <a:lt1>
-        <a:sysClr val="window" lastClr="FFFFFF"/>
+        <a:sysClr val="window" lastClr="F0F0F0"/>
       </a:lt1>
       <a:dk2>
         <a:srgbClr val="212121"/>
@@ -9025,7 +8985,7 @@
           <a:lin ang="5400000" scaled="0"/>
         </a:gradFill>
         <a:blipFill>
-          <a:blip xmlns:r="http://schemas.openxmlformats.org/officeDocument/2006/relationships" r:embed="rId1"/>
+          <a:blip xmlns:r="http://schemas.openxmlformats.org/officeDocument/2006/relationships" r:embed="rId2"/>
           <a:stretch/>
         </a:blipFill>
       </a:bgFillStyleLst>
@@ -9035,7 +8995,7 @@
   <a:extraClrSchemeLst/>
   <a:extLst>
     <a:ext uri="{05A4C25C-085E-4340-85A3-A5531E510DB2}">
-      <thm15:themeFamily xmlns:thm15="http://schemas.microsoft.com/office/thememl/2012/main" name="Organic" id="{28CDC826-8792-45C0-861B-85EB3ADEDA33}" vid="{7DAC20F1-423D-49E2-BD0B-50532748BAD0}"/>
+      <thm15:themeFamily xmlns:thm15="http://schemas.microsoft.com/office/thememl/2012/main" xmlns="" name="Organic" id="{28CDC826-8792-45C0-861B-85EB3ADEDA33}" vid="{7DAC20F1-423D-49E2-BD0B-50532748BAD0}"/>
     </a:ext>
   </a:extLst>
 </a:theme>
